--- a/2019年度价格与BI体系的规划.pptx
+++ b/2019年度价格与BI体系的规划.pptx
@@ -5,7 +5,7 @@
     <p:sldMasterId id="2147483686" r:id="rId1"/>
   </p:sldMasterIdLst>
   <p:notesMasterIdLst>
-    <p:notesMasterId r:id="rId19"/>
+    <p:notesMasterId r:id="rId20"/>
   </p:notesMasterIdLst>
   <p:sldIdLst>
     <p:sldId id="256" r:id="rId2"/>
@@ -17,14 +17,15 @@
     <p:sldId id="268" r:id="rId8"/>
     <p:sldId id="270" r:id="rId9"/>
     <p:sldId id="271" r:id="rId10"/>
-    <p:sldId id="260" r:id="rId11"/>
-    <p:sldId id="263" r:id="rId12"/>
-    <p:sldId id="269" r:id="rId13"/>
-    <p:sldId id="272" r:id="rId14"/>
-    <p:sldId id="274" r:id="rId15"/>
-    <p:sldId id="266" r:id="rId16"/>
-    <p:sldId id="273" r:id="rId17"/>
-    <p:sldId id="275" r:id="rId18"/>
+    <p:sldId id="276" r:id="rId11"/>
+    <p:sldId id="260" r:id="rId12"/>
+    <p:sldId id="263" r:id="rId13"/>
+    <p:sldId id="269" r:id="rId14"/>
+    <p:sldId id="272" r:id="rId15"/>
+    <p:sldId id="274" r:id="rId16"/>
+    <p:sldId id="266" r:id="rId17"/>
+    <p:sldId id="273" r:id="rId18"/>
+    <p:sldId id="275" r:id="rId19"/>
   </p:sldIdLst>
   <p:sldSz cx="17068800" cy="9601200"/>
   <p:notesSz cx="9144000" cy="6858000"/>
@@ -15909,7 +15910,7 @@
           <a:p>
             <a:fld id="{08F2801D-DE8D-4BA9-B268-DA3A97B1DA2E}" type="datetimeFigureOut">
               <a:rPr lang="zh-CN" altLang="en-US" smtClean="0"/>
-              <a:t>2019/1/15</a:t>
+              <a:t>2019/1/16</a:t>
             </a:fld>
             <a:endParaRPr lang="zh-CN" altLang="en-US"/>
           </a:p>
@@ -16441,7 +16442,7 @@
           <a:p>
             <a:fld id="{C7318851-0755-4A73-A99F-B81892E53F04}" type="slidenum">
               <a:rPr lang="zh-CN" altLang="en-US" smtClean="0"/>
-              <a:t>10</a:t>
+              <a:t>11</a:t>
             </a:fld>
             <a:endParaRPr lang="zh-CN" altLang="en-US"/>
           </a:p>
@@ -16542,7 +16543,7 @@
           <a:p>
             <a:fld id="{C7318851-0755-4A73-A99F-B81892E53F04}" type="slidenum">
               <a:rPr lang="zh-CN" altLang="en-US" smtClean="0"/>
-              <a:t>11</a:t>
+              <a:t>12</a:t>
             </a:fld>
             <a:endParaRPr lang="zh-CN" altLang="en-US"/>
           </a:p>
@@ -16629,7 +16630,7 @@
           <a:p>
             <a:fld id="{C7318851-0755-4A73-A99F-B81892E53F04}" type="slidenum">
               <a:rPr lang="zh-CN" altLang="en-US" smtClean="0"/>
-              <a:t>15</a:t>
+              <a:t>16</a:t>
             </a:fld>
             <a:endParaRPr lang="zh-CN" altLang="en-US"/>
           </a:p>
@@ -17515,7 +17516,7 @@
             <a:fld id="{B61BEF0D-F0BB-DE4B-95CE-6DB70DBA9567}" type="datetimeFigureOut">
               <a:rPr lang="en-US" smtClean="0"/>
               <a:pPr/>
-              <a:t>1/15/2019</a:t>
+              <a:t>1/16/2019</a:t>
             </a:fld>
             <a:endParaRPr lang="en-US" dirty="0"/>
           </a:p>
@@ -18256,6 +18257,580 @@
           <a:chExt cx="0" cy="0"/>
         </a:xfrm>
       </p:grpSpPr>
+      <p:pic>
+        <p:nvPicPr>
+          <p:cNvPr id="2" name="图片 1">
+            <a:extLst>
+              <a:ext uri="{FF2B5EF4-FFF2-40B4-BE49-F238E27FC236}">
+                <a16:creationId xmlns:a16="http://schemas.microsoft.com/office/drawing/2014/main" id="{82BF9AF4-3065-4CAB-9564-EE36E7303201}"/>
+              </a:ext>
+            </a:extLst>
+          </p:cNvPr>
+          <p:cNvPicPr>
+            <a:picLocks noChangeAspect="1"/>
+          </p:cNvPicPr>
+          <p:nvPr/>
+        </p:nvPicPr>
+        <p:blipFill>
+          <a:blip r:embed="rId2"/>
+          <a:stretch>
+            <a:fillRect/>
+          </a:stretch>
+        </p:blipFill>
+        <p:spPr>
+          <a:xfrm>
+            <a:off x="2124222" y="36911"/>
+            <a:ext cx="12463033" cy="9261834"/>
+          </a:xfrm>
+          <a:prstGeom prst="rect">
+            <a:avLst/>
+          </a:prstGeom>
+        </p:spPr>
+      </p:pic>
+      <p:pic>
+        <p:nvPicPr>
+          <p:cNvPr id="3" name="图片 2">
+            <a:extLst>
+              <a:ext uri="{FF2B5EF4-FFF2-40B4-BE49-F238E27FC236}">
+                <a16:creationId xmlns:a16="http://schemas.microsoft.com/office/drawing/2014/main" id="{EC840790-AF7C-4A10-8925-6E107F8B2A73}"/>
+              </a:ext>
+            </a:extLst>
+          </p:cNvPr>
+          <p:cNvPicPr>
+            <a:picLocks noChangeAspect="1"/>
+          </p:cNvPicPr>
+          <p:nvPr/>
+        </p:nvPicPr>
+        <p:blipFill>
+          <a:blip r:embed="rId3"/>
+          <a:stretch>
+            <a:fillRect/>
+          </a:stretch>
+        </p:blipFill>
+        <p:spPr>
+          <a:xfrm>
+            <a:off x="2124223" y="26567"/>
+            <a:ext cx="12463032" cy="9281948"/>
+          </a:xfrm>
+          <a:prstGeom prst="rect">
+            <a:avLst/>
+          </a:prstGeom>
+        </p:spPr>
+      </p:pic>
+      <p:pic>
+        <p:nvPicPr>
+          <p:cNvPr id="4" name="图片 3">
+            <a:extLst>
+              <a:ext uri="{FF2B5EF4-FFF2-40B4-BE49-F238E27FC236}">
+                <a16:creationId xmlns:a16="http://schemas.microsoft.com/office/drawing/2014/main" id="{9520BE27-7AEC-4ECC-9294-F4DBDE8CA5E0}"/>
+              </a:ext>
+            </a:extLst>
+          </p:cNvPr>
+          <p:cNvPicPr>
+            <a:picLocks noChangeAspect="1"/>
+          </p:cNvPicPr>
+          <p:nvPr/>
+        </p:nvPicPr>
+        <p:blipFill>
+          <a:blip r:embed="rId4"/>
+          <a:stretch>
+            <a:fillRect/>
+          </a:stretch>
+        </p:blipFill>
+        <p:spPr>
+          <a:xfrm>
+            <a:off x="2640895" y="344897"/>
+            <a:ext cx="12463032" cy="9256303"/>
+          </a:xfrm>
+          <a:prstGeom prst="rect">
+            <a:avLst/>
+          </a:prstGeom>
+        </p:spPr>
+      </p:pic>
+      <p:pic>
+        <p:nvPicPr>
+          <p:cNvPr id="5" name="图片 4">
+            <a:extLst>
+              <a:ext uri="{FF2B5EF4-FFF2-40B4-BE49-F238E27FC236}">
+                <a16:creationId xmlns:a16="http://schemas.microsoft.com/office/drawing/2014/main" id="{0F0CBF2F-7907-4A4B-B81A-E17409DB4DC9}"/>
+              </a:ext>
+            </a:extLst>
+          </p:cNvPr>
+          <p:cNvPicPr>
+            <a:picLocks noChangeAspect="1"/>
+          </p:cNvPicPr>
+          <p:nvPr/>
+        </p:nvPicPr>
+        <p:blipFill>
+          <a:blip r:embed="rId5"/>
+          <a:stretch>
+            <a:fillRect/>
+          </a:stretch>
+        </p:blipFill>
+        <p:spPr>
+          <a:xfrm>
+            <a:off x="2866484" y="720695"/>
+            <a:ext cx="12474894" cy="9256303"/>
+          </a:xfrm>
+          <a:prstGeom prst="rect">
+            <a:avLst/>
+          </a:prstGeom>
+        </p:spPr>
+      </p:pic>
+      <p:pic>
+        <p:nvPicPr>
+          <p:cNvPr id="6" name="图片 5">
+            <a:extLst>
+              <a:ext uri="{FF2B5EF4-FFF2-40B4-BE49-F238E27FC236}">
+                <a16:creationId xmlns:a16="http://schemas.microsoft.com/office/drawing/2014/main" id="{5B97FEC8-5808-4ECE-9D39-C06D5C5F4AF5}"/>
+              </a:ext>
+            </a:extLst>
+          </p:cNvPr>
+          <p:cNvPicPr>
+            <a:picLocks noChangeAspect="1"/>
+          </p:cNvPicPr>
+          <p:nvPr/>
+        </p:nvPicPr>
+        <p:blipFill>
+          <a:blip r:embed="rId6"/>
+          <a:stretch>
+            <a:fillRect/>
+          </a:stretch>
+        </p:blipFill>
+        <p:spPr>
+          <a:xfrm>
+            <a:off x="2882178" y="1856935"/>
+            <a:ext cx="12472761" cy="9593556"/>
+          </a:xfrm>
+          <a:prstGeom prst="rect">
+            <a:avLst/>
+          </a:prstGeom>
+        </p:spPr>
+      </p:pic>
+    </p:spTree>
+    <p:extLst>
+      <p:ext uri="{BB962C8B-B14F-4D97-AF65-F5344CB8AC3E}">
+        <p14:creationId xmlns:p14="http://schemas.microsoft.com/office/powerpoint/2010/main" val="3517142500"/>
+      </p:ext>
+    </p:extLst>
+  </p:cSld>
+  <p:clrMapOvr>
+    <a:masterClrMapping/>
+  </p:clrMapOvr>
+  <p:timing>
+    <p:tnLst>
+      <p:par>
+        <p:cTn id="1" dur="indefinite" restart="never" nodeType="tmRoot">
+          <p:childTnLst>
+            <p:seq concurrent="1" nextAc="seek">
+              <p:cTn id="2" dur="indefinite" nodeType="mainSeq">
+                <p:childTnLst>
+                  <p:par>
+                    <p:cTn id="3" fill="hold">
+                      <p:stCondLst>
+                        <p:cond delay="indefinite"/>
+                      </p:stCondLst>
+                      <p:childTnLst>
+                        <p:par>
+                          <p:cTn id="4" fill="hold">
+                            <p:stCondLst>
+                              <p:cond delay="0"/>
+                            </p:stCondLst>
+                            <p:childTnLst>
+                              <p:par>
+                                <p:cTn id="5" presetID="2" presetClass="entr" presetSubtype="4" fill="hold" nodeType="clickEffect">
+                                  <p:stCondLst>
+                                    <p:cond delay="0"/>
+                                  </p:stCondLst>
+                                  <p:childTnLst>
+                                    <p:set>
+                                      <p:cBhvr>
+                                        <p:cTn id="6" dur="1" fill="hold">
+                                          <p:stCondLst>
+                                            <p:cond delay="0"/>
+                                          </p:stCondLst>
+                                        </p:cTn>
+                                        <p:tgtEl>
+                                          <p:spTgt spid="3"/>
+                                        </p:tgtEl>
+                                        <p:attrNameLst>
+                                          <p:attrName>style.visibility</p:attrName>
+                                        </p:attrNameLst>
+                                      </p:cBhvr>
+                                      <p:to>
+                                        <p:strVal val="visible"/>
+                                      </p:to>
+                                    </p:set>
+                                    <p:anim calcmode="lin" valueType="num">
+                                      <p:cBhvr additive="base">
+                                        <p:cTn id="7" dur="500" fill="hold"/>
+                                        <p:tgtEl>
+                                          <p:spTgt spid="3"/>
+                                        </p:tgtEl>
+                                        <p:attrNameLst>
+                                          <p:attrName>ppt_x</p:attrName>
+                                        </p:attrNameLst>
+                                      </p:cBhvr>
+                                      <p:tavLst>
+                                        <p:tav tm="0">
+                                          <p:val>
+                                            <p:strVal val="#ppt_x"/>
+                                          </p:val>
+                                        </p:tav>
+                                        <p:tav tm="100000">
+                                          <p:val>
+                                            <p:strVal val="#ppt_x"/>
+                                          </p:val>
+                                        </p:tav>
+                                      </p:tavLst>
+                                    </p:anim>
+                                    <p:anim calcmode="lin" valueType="num">
+                                      <p:cBhvr additive="base">
+                                        <p:cTn id="8" dur="500" fill="hold"/>
+                                        <p:tgtEl>
+                                          <p:spTgt spid="3"/>
+                                        </p:tgtEl>
+                                        <p:attrNameLst>
+                                          <p:attrName>ppt_y</p:attrName>
+                                        </p:attrNameLst>
+                                      </p:cBhvr>
+                                      <p:tavLst>
+                                        <p:tav tm="0">
+                                          <p:val>
+                                            <p:strVal val="1+#ppt_h/2"/>
+                                          </p:val>
+                                        </p:tav>
+                                        <p:tav tm="100000">
+                                          <p:val>
+                                            <p:strVal val="#ppt_y"/>
+                                          </p:val>
+                                        </p:tav>
+                                      </p:tavLst>
+                                    </p:anim>
+                                  </p:childTnLst>
+                                </p:cTn>
+                              </p:par>
+                            </p:childTnLst>
+                          </p:cTn>
+                        </p:par>
+                      </p:childTnLst>
+                    </p:cTn>
+                  </p:par>
+                  <p:par>
+                    <p:cTn id="9" fill="hold">
+                      <p:stCondLst>
+                        <p:cond delay="indefinite"/>
+                      </p:stCondLst>
+                      <p:childTnLst>
+                        <p:par>
+                          <p:cTn id="10" fill="hold">
+                            <p:stCondLst>
+                              <p:cond delay="0"/>
+                            </p:stCondLst>
+                            <p:childTnLst>
+                              <p:par>
+                                <p:cTn id="11" presetID="2" presetClass="entr" presetSubtype="4" fill="hold" nodeType="clickEffect">
+                                  <p:stCondLst>
+                                    <p:cond delay="0"/>
+                                  </p:stCondLst>
+                                  <p:childTnLst>
+                                    <p:set>
+                                      <p:cBhvr>
+                                        <p:cTn id="12" dur="1" fill="hold">
+                                          <p:stCondLst>
+                                            <p:cond delay="0"/>
+                                          </p:stCondLst>
+                                        </p:cTn>
+                                        <p:tgtEl>
+                                          <p:spTgt spid="6"/>
+                                        </p:tgtEl>
+                                        <p:attrNameLst>
+                                          <p:attrName>style.visibility</p:attrName>
+                                        </p:attrNameLst>
+                                      </p:cBhvr>
+                                      <p:to>
+                                        <p:strVal val="visible"/>
+                                      </p:to>
+                                    </p:set>
+                                    <p:anim calcmode="lin" valueType="num">
+                                      <p:cBhvr additive="base">
+                                        <p:cTn id="13" dur="500" fill="hold"/>
+                                        <p:tgtEl>
+                                          <p:spTgt spid="6"/>
+                                        </p:tgtEl>
+                                        <p:attrNameLst>
+                                          <p:attrName>ppt_x</p:attrName>
+                                        </p:attrNameLst>
+                                      </p:cBhvr>
+                                      <p:tavLst>
+                                        <p:tav tm="0">
+                                          <p:val>
+                                            <p:strVal val="#ppt_x"/>
+                                          </p:val>
+                                        </p:tav>
+                                        <p:tav tm="100000">
+                                          <p:val>
+                                            <p:strVal val="#ppt_x"/>
+                                          </p:val>
+                                        </p:tav>
+                                      </p:tavLst>
+                                    </p:anim>
+                                    <p:anim calcmode="lin" valueType="num">
+                                      <p:cBhvr additive="base">
+                                        <p:cTn id="14" dur="500" fill="hold"/>
+                                        <p:tgtEl>
+                                          <p:spTgt spid="6"/>
+                                        </p:tgtEl>
+                                        <p:attrNameLst>
+                                          <p:attrName>ppt_y</p:attrName>
+                                        </p:attrNameLst>
+                                      </p:cBhvr>
+                                      <p:tavLst>
+                                        <p:tav tm="0">
+                                          <p:val>
+                                            <p:strVal val="1+#ppt_h/2"/>
+                                          </p:val>
+                                        </p:tav>
+                                        <p:tav tm="100000">
+                                          <p:val>
+                                            <p:strVal val="#ppt_y"/>
+                                          </p:val>
+                                        </p:tav>
+                                      </p:tavLst>
+                                    </p:anim>
+                                  </p:childTnLst>
+                                </p:cTn>
+                              </p:par>
+                            </p:childTnLst>
+                          </p:cTn>
+                        </p:par>
+                      </p:childTnLst>
+                    </p:cTn>
+                  </p:par>
+                  <p:par>
+                    <p:cTn id="15" fill="hold">
+                      <p:stCondLst>
+                        <p:cond delay="indefinite"/>
+                      </p:stCondLst>
+                      <p:childTnLst>
+                        <p:par>
+                          <p:cTn id="16" fill="hold">
+                            <p:stCondLst>
+                              <p:cond delay="0"/>
+                            </p:stCondLst>
+                            <p:childTnLst>
+                              <p:par>
+                                <p:cTn id="17" presetID="2" presetClass="entr" presetSubtype="4" fill="hold" nodeType="clickEffect">
+                                  <p:stCondLst>
+                                    <p:cond delay="0"/>
+                                  </p:stCondLst>
+                                  <p:childTnLst>
+                                    <p:set>
+                                      <p:cBhvr>
+                                        <p:cTn id="18" dur="1" fill="hold">
+                                          <p:stCondLst>
+                                            <p:cond delay="0"/>
+                                          </p:stCondLst>
+                                        </p:cTn>
+                                        <p:tgtEl>
+                                          <p:spTgt spid="5"/>
+                                        </p:tgtEl>
+                                        <p:attrNameLst>
+                                          <p:attrName>style.visibility</p:attrName>
+                                        </p:attrNameLst>
+                                      </p:cBhvr>
+                                      <p:to>
+                                        <p:strVal val="visible"/>
+                                      </p:to>
+                                    </p:set>
+                                    <p:anim calcmode="lin" valueType="num">
+                                      <p:cBhvr additive="base">
+                                        <p:cTn id="19" dur="500" fill="hold"/>
+                                        <p:tgtEl>
+                                          <p:spTgt spid="5"/>
+                                        </p:tgtEl>
+                                        <p:attrNameLst>
+                                          <p:attrName>ppt_x</p:attrName>
+                                        </p:attrNameLst>
+                                      </p:cBhvr>
+                                      <p:tavLst>
+                                        <p:tav tm="0">
+                                          <p:val>
+                                            <p:strVal val="#ppt_x"/>
+                                          </p:val>
+                                        </p:tav>
+                                        <p:tav tm="100000">
+                                          <p:val>
+                                            <p:strVal val="#ppt_x"/>
+                                          </p:val>
+                                        </p:tav>
+                                      </p:tavLst>
+                                    </p:anim>
+                                    <p:anim calcmode="lin" valueType="num">
+                                      <p:cBhvr additive="base">
+                                        <p:cTn id="20" dur="500" fill="hold"/>
+                                        <p:tgtEl>
+                                          <p:spTgt spid="5"/>
+                                        </p:tgtEl>
+                                        <p:attrNameLst>
+                                          <p:attrName>ppt_y</p:attrName>
+                                        </p:attrNameLst>
+                                      </p:cBhvr>
+                                      <p:tavLst>
+                                        <p:tav tm="0">
+                                          <p:val>
+                                            <p:strVal val="1+#ppt_h/2"/>
+                                          </p:val>
+                                        </p:tav>
+                                        <p:tav tm="100000">
+                                          <p:val>
+                                            <p:strVal val="#ppt_y"/>
+                                          </p:val>
+                                        </p:tav>
+                                      </p:tavLst>
+                                    </p:anim>
+                                  </p:childTnLst>
+                                </p:cTn>
+                              </p:par>
+                            </p:childTnLst>
+                          </p:cTn>
+                        </p:par>
+                      </p:childTnLst>
+                    </p:cTn>
+                  </p:par>
+                  <p:par>
+                    <p:cTn id="21" fill="hold">
+                      <p:stCondLst>
+                        <p:cond delay="indefinite"/>
+                      </p:stCondLst>
+                      <p:childTnLst>
+                        <p:par>
+                          <p:cTn id="22" fill="hold">
+                            <p:stCondLst>
+                              <p:cond delay="0"/>
+                            </p:stCondLst>
+                            <p:childTnLst>
+                              <p:par>
+                                <p:cTn id="23" presetID="2" presetClass="entr" presetSubtype="4" fill="hold" nodeType="clickEffect">
+                                  <p:stCondLst>
+                                    <p:cond delay="0"/>
+                                  </p:stCondLst>
+                                  <p:childTnLst>
+                                    <p:set>
+                                      <p:cBhvr>
+                                        <p:cTn id="24" dur="1" fill="hold">
+                                          <p:stCondLst>
+                                            <p:cond delay="0"/>
+                                          </p:stCondLst>
+                                        </p:cTn>
+                                        <p:tgtEl>
+                                          <p:spTgt spid="4"/>
+                                        </p:tgtEl>
+                                        <p:attrNameLst>
+                                          <p:attrName>style.visibility</p:attrName>
+                                        </p:attrNameLst>
+                                      </p:cBhvr>
+                                      <p:to>
+                                        <p:strVal val="visible"/>
+                                      </p:to>
+                                    </p:set>
+                                    <p:anim calcmode="lin" valueType="num">
+                                      <p:cBhvr additive="base">
+                                        <p:cTn id="25" dur="500" fill="hold"/>
+                                        <p:tgtEl>
+                                          <p:spTgt spid="4"/>
+                                        </p:tgtEl>
+                                        <p:attrNameLst>
+                                          <p:attrName>ppt_x</p:attrName>
+                                        </p:attrNameLst>
+                                      </p:cBhvr>
+                                      <p:tavLst>
+                                        <p:tav tm="0">
+                                          <p:val>
+                                            <p:strVal val="#ppt_x"/>
+                                          </p:val>
+                                        </p:tav>
+                                        <p:tav tm="100000">
+                                          <p:val>
+                                            <p:strVal val="#ppt_x"/>
+                                          </p:val>
+                                        </p:tav>
+                                      </p:tavLst>
+                                    </p:anim>
+                                    <p:anim calcmode="lin" valueType="num">
+                                      <p:cBhvr additive="base">
+                                        <p:cTn id="26" dur="500" fill="hold"/>
+                                        <p:tgtEl>
+                                          <p:spTgt spid="4"/>
+                                        </p:tgtEl>
+                                        <p:attrNameLst>
+                                          <p:attrName>ppt_y</p:attrName>
+                                        </p:attrNameLst>
+                                      </p:cBhvr>
+                                      <p:tavLst>
+                                        <p:tav tm="0">
+                                          <p:val>
+                                            <p:strVal val="1+#ppt_h/2"/>
+                                          </p:val>
+                                        </p:tav>
+                                        <p:tav tm="100000">
+                                          <p:val>
+                                            <p:strVal val="#ppt_y"/>
+                                          </p:val>
+                                        </p:tav>
+                                      </p:tavLst>
+                                    </p:anim>
+                                  </p:childTnLst>
+                                </p:cTn>
+                              </p:par>
+                            </p:childTnLst>
+                          </p:cTn>
+                        </p:par>
+                      </p:childTnLst>
+                    </p:cTn>
+                  </p:par>
+                </p:childTnLst>
+              </p:cTn>
+              <p:prevCondLst>
+                <p:cond evt="onPrev" delay="0">
+                  <p:tgtEl>
+                    <p:sldTgt/>
+                  </p:tgtEl>
+                </p:cond>
+              </p:prevCondLst>
+              <p:nextCondLst>
+                <p:cond evt="onNext" delay="0">
+                  <p:tgtEl>
+                    <p:sldTgt/>
+                  </p:tgtEl>
+                </p:cond>
+              </p:nextCondLst>
+            </p:seq>
+          </p:childTnLst>
+        </p:cTn>
+      </p:par>
+    </p:tnLst>
+  </p:timing>
+</p:sld>
+</file>
+
+<file path=ppt/slides/slide11.xml><?xml version="1.0" encoding="utf-8"?>
+<p:sld xmlns:a="http://schemas.openxmlformats.org/drawingml/2006/main" xmlns:r="http://schemas.openxmlformats.org/officeDocument/2006/relationships" xmlns:p="http://schemas.openxmlformats.org/presentationml/2006/main">
+  <p:cSld>
+    <p:spTree>
+      <p:nvGrpSpPr>
+        <p:cNvPr id="1" name=""/>
+        <p:cNvGrpSpPr/>
+        <p:nvPr/>
+      </p:nvGrpSpPr>
+      <p:grpSpPr>
+        <a:xfrm>
+          <a:off x="0" y="0"/>
+          <a:ext cx="0" cy="0"/>
+          <a:chOff x="0" y="0"/>
+          <a:chExt cx="0" cy="0"/>
+        </a:xfrm>
+      </p:grpSpPr>
       <p:sp>
         <p:nvSpPr>
           <p:cNvPr id="3" name="矩形 2">
@@ -19001,7 +19576,7 @@
 </p:sld>
 </file>
 
-<file path=ppt/slides/slide11.xml><?xml version="1.0" encoding="utf-8"?>
+<file path=ppt/slides/slide12.xml><?xml version="1.0" encoding="utf-8"?>
 <p:sld xmlns:a="http://schemas.openxmlformats.org/drawingml/2006/main" xmlns:r="http://schemas.openxmlformats.org/officeDocument/2006/relationships" xmlns:p="http://schemas.openxmlformats.org/presentationml/2006/main">
   <p:cSld>
     <p:spTree>
@@ -19792,7 +20367,7 @@
 </p:sld>
 </file>
 
-<file path=ppt/slides/slide12.xml><?xml version="1.0" encoding="utf-8"?>
+<file path=ppt/slides/slide13.xml><?xml version="1.0" encoding="utf-8"?>
 <p:sld xmlns:a="http://schemas.openxmlformats.org/drawingml/2006/main" xmlns:r="http://schemas.openxmlformats.org/officeDocument/2006/relationships" xmlns:p="http://schemas.openxmlformats.org/presentationml/2006/main">
   <p:cSld>
     <p:spTree>
@@ -20772,7 +21347,7 @@
 </p:sld>
 </file>
 
-<file path=ppt/slides/slide13.xml><?xml version="1.0" encoding="utf-8"?>
+<file path=ppt/slides/slide14.xml><?xml version="1.0" encoding="utf-8"?>
 <p:sld xmlns:a="http://schemas.openxmlformats.org/drawingml/2006/main" xmlns:r="http://schemas.openxmlformats.org/officeDocument/2006/relationships" xmlns:p="http://schemas.openxmlformats.org/presentationml/2006/main">
   <p:cSld>
     <p:spTree>
@@ -20802,7 +21377,7 @@
 </p:sld>
 </file>
 
-<file path=ppt/slides/slide14.xml><?xml version="1.0" encoding="utf-8"?>
+<file path=ppt/slides/slide15.xml><?xml version="1.0" encoding="utf-8"?>
 <p:sld xmlns:a="http://schemas.openxmlformats.org/drawingml/2006/main" xmlns:r="http://schemas.openxmlformats.org/officeDocument/2006/relationships" xmlns:p="http://schemas.openxmlformats.org/presentationml/2006/main">
   <p:cSld>
     <p:spTree>
@@ -21834,7 +22409,7 @@
 </p:sld>
 </file>
 
-<file path=ppt/slides/slide15.xml><?xml version="1.0" encoding="utf-8"?>
+<file path=ppt/slides/slide16.xml><?xml version="1.0" encoding="utf-8"?>
 <p:sld xmlns:a="http://schemas.openxmlformats.org/drawingml/2006/main" xmlns:r="http://schemas.openxmlformats.org/officeDocument/2006/relationships" xmlns:p="http://schemas.openxmlformats.org/presentationml/2006/main">
   <p:cSld>
     <p:spTree>
@@ -21892,7 +22467,7 @@
 </p:sld>
 </file>
 
-<file path=ppt/slides/slide16.xml><?xml version="1.0" encoding="utf-8"?>
+<file path=ppt/slides/slide17.xml><?xml version="1.0" encoding="utf-8"?>
 <p:sld xmlns:a="http://schemas.openxmlformats.org/drawingml/2006/main" xmlns:r="http://schemas.openxmlformats.org/officeDocument/2006/relationships" xmlns:p="http://schemas.openxmlformats.org/presentationml/2006/main">
   <p:cSld>
     <p:spTree>
@@ -22895,7 +23470,7 @@
 </p:sld>
 </file>
 
-<file path=ppt/slides/slide17.xml><?xml version="1.0" encoding="utf-8"?>
+<file path=ppt/slides/slide18.xml><?xml version="1.0" encoding="utf-8"?>
 <p:sld xmlns:a="http://schemas.openxmlformats.org/drawingml/2006/main" xmlns:r="http://schemas.openxmlformats.org/officeDocument/2006/relationships" xmlns:p="http://schemas.openxmlformats.org/presentationml/2006/main">
   <p:cSld>
     <p:spTree>
@@ -25567,6 +26142,36 @@
           <a:chExt cx="0" cy="0"/>
         </a:xfrm>
       </p:grpSpPr>
+      <p:pic>
+        <p:nvPicPr>
+          <p:cNvPr id="2" name="图片 1">
+            <a:extLst>
+              <a:ext uri="{FF2B5EF4-FFF2-40B4-BE49-F238E27FC236}">
+                <a16:creationId xmlns:a16="http://schemas.microsoft.com/office/drawing/2014/main" id="{D6073385-9AD1-46AF-9598-725AE1E74830}"/>
+              </a:ext>
+            </a:extLst>
+          </p:cNvPr>
+          <p:cNvPicPr>
+            <a:picLocks noChangeAspect="1"/>
+          </p:cNvPicPr>
+          <p:nvPr/>
+        </p:nvPicPr>
+        <p:blipFill>
+          <a:blip r:embed="rId2"/>
+          <a:stretch>
+            <a:fillRect/>
+          </a:stretch>
+        </p:blipFill>
+        <p:spPr>
+          <a:xfrm>
+            <a:off x="2715065" y="52719"/>
+            <a:ext cx="11296357" cy="9216475"/>
+          </a:xfrm>
+          <a:prstGeom prst="rect">
+            <a:avLst/>
+          </a:prstGeom>
+        </p:spPr>
+      </p:pic>
     </p:spTree>
     <p:extLst>
       <p:ext uri="{BB962C8B-B14F-4D97-AF65-F5344CB8AC3E}">
